--- a/presentations/q-step_workshop_20181109.pptx
+++ b/presentations/q-step_workshop_20181109.pptx
@@ -6,12 +6,14 @@
   </p:sldMasterIdLst>
   <p:sldIdLst>
     <p:sldId id="256" r:id="rId2"/>
-    <p:sldId id="262" r:id="rId3"/>
-    <p:sldId id="257" r:id="rId4"/>
-    <p:sldId id="263" r:id="rId5"/>
-    <p:sldId id="259" r:id="rId6"/>
-    <p:sldId id="260" r:id="rId7"/>
-    <p:sldId id="261" r:id="rId8"/>
+    <p:sldId id="264" r:id="rId3"/>
+    <p:sldId id="265" r:id="rId4"/>
+    <p:sldId id="262" r:id="rId5"/>
+    <p:sldId id="257" r:id="rId6"/>
+    <p:sldId id="263" r:id="rId7"/>
+    <p:sldId id="259" r:id="rId8"/>
+    <p:sldId id="260" r:id="rId9"/>
+    <p:sldId id="261" r:id="rId10"/>
   </p:sldIdLst>
   <p:sldSz cx="9144000" cy="6858000" type="screen4x3"/>
   <p:notesSz cx="6858000" cy="9144000"/>
@@ -354,7 +356,7 @@
               <a:pPr>
                 <a:defRPr/>
               </a:pPr>
-              <a:t>11/7/2018</a:t>
+              <a:t>11/8/2018</a:t>
             </a:fld>
             <a:endParaRPr lang="en-US" altLang="en-US"/>
           </a:p>
@@ -546,7 +548,7 @@
               <a:pPr>
                 <a:defRPr/>
               </a:pPr>
-              <a:t>11/7/2018</a:t>
+              <a:t>11/8/2018</a:t>
             </a:fld>
             <a:endParaRPr lang="en-US" altLang="en-US"/>
           </a:p>
@@ -748,7 +750,7 @@
               <a:pPr>
                 <a:defRPr/>
               </a:pPr>
-              <a:t>11/7/2018</a:t>
+              <a:t>11/8/2018</a:t>
             </a:fld>
             <a:endParaRPr lang="en-US" altLang="en-US"/>
           </a:p>
@@ -940,7 +942,7 @@
               <a:pPr>
                 <a:defRPr/>
               </a:pPr>
-              <a:t>11/7/2018</a:t>
+              <a:t>11/8/2018</a:t>
             </a:fld>
             <a:endParaRPr lang="en-US" altLang="en-US"/>
           </a:p>
@@ -1208,7 +1210,7 @@
               <a:pPr>
                 <a:defRPr/>
               </a:pPr>
-              <a:t>11/7/2018</a:t>
+              <a:t>11/8/2018</a:t>
             </a:fld>
             <a:endParaRPr lang="en-US" altLang="en-US"/>
           </a:p>
@@ -1518,7 +1520,7 @@
               <a:pPr>
                 <a:defRPr/>
               </a:pPr>
-              <a:t>11/7/2018</a:t>
+              <a:t>11/8/2018</a:t>
             </a:fld>
             <a:endParaRPr lang="en-US" altLang="en-US"/>
           </a:p>
@@ -1962,7 +1964,7 @@
               <a:pPr>
                 <a:defRPr/>
               </a:pPr>
-              <a:t>11/7/2018</a:t>
+              <a:t>11/8/2018</a:t>
             </a:fld>
             <a:endParaRPr lang="en-US" altLang="en-US"/>
           </a:p>
@@ -2102,7 +2104,7 @@
               <a:pPr>
                 <a:defRPr/>
               </a:pPr>
-              <a:t>11/7/2018</a:t>
+              <a:t>11/8/2018</a:t>
             </a:fld>
             <a:endParaRPr lang="en-US" altLang="en-US"/>
           </a:p>
@@ -2219,7 +2221,7 @@
               <a:pPr>
                 <a:defRPr/>
               </a:pPr>
-              <a:t>11/7/2018</a:t>
+              <a:t>11/8/2018</a:t>
             </a:fld>
             <a:endParaRPr lang="en-US" altLang="en-US"/>
           </a:p>
@@ -2518,7 +2520,7 @@
               <a:pPr>
                 <a:defRPr/>
               </a:pPr>
-              <a:t>11/7/2018</a:t>
+              <a:t>11/8/2018</a:t>
             </a:fld>
             <a:endParaRPr lang="en-US" altLang="en-US"/>
           </a:p>
@@ -2800,7 +2802,7 @@
               <a:pPr>
                 <a:defRPr/>
               </a:pPr>
-              <a:t>11/7/2018</a:t>
+              <a:t>11/8/2018</a:t>
             </a:fld>
             <a:endParaRPr lang="en-US" altLang="en-US"/>
           </a:p>
@@ -3091,7 +3093,7 @@
               <a:pPr>
                 <a:defRPr/>
               </a:pPr>
-              <a:t>11/7/2018</a:t>
+              <a:t>11/8/2018</a:t>
             </a:fld>
             <a:endParaRPr lang="en-US" altLang="en-US"/>
           </a:p>
@@ -3731,7 +3733,7 @@
             <a:pPr eaLnBrk="1" hangingPunct="1"/>
             <a:r>
               <a:rPr lang="en-GB" altLang="en-US" dirty="0" smtClean="0"/>
-              <a:t>Why Big Data?</a:t>
+              <a:t>What is Big Data?</a:t>
             </a:r>
             <a:endParaRPr lang="en-GB" altLang="en-US" dirty="0" smtClean="0"/>
           </a:p>
@@ -3757,35 +3759,67 @@
             </a:pPr>
             <a:r>
               <a:rPr lang="en-GB" altLang="en-US" sz="2800" dirty="0" smtClean="0"/>
-              <a:t>Two general problems/opportunities facing contemporary social scientists:</a:t>
-            </a:r>
-          </a:p>
-          <a:p>
-            <a:pPr marL="514350" indent="-514350" eaLnBrk="1" hangingPunct="1">
-              <a:buFont typeface="+mj-lt"/>
-              <a:buAutoNum type="arabicPeriod"/>
-            </a:pPr>
+              <a:t>Three V’s:</a:t>
+            </a:r>
+          </a:p>
+          <a:p>
+            <a:pPr eaLnBrk="1" hangingPunct="1"/>
             <a:r>
               <a:rPr lang="en-GB" altLang="en-US" sz="2800" dirty="0" smtClean="0"/>
-              <a:t>Presence of an exact, important research question – absence of suitable data.</a:t>
-            </a:r>
-          </a:p>
-          <a:p>
-            <a:pPr marL="514350" indent="-514350" eaLnBrk="1" hangingPunct="1">
-              <a:buFont typeface="+mj-lt"/>
-              <a:buAutoNum type="arabicPeriod"/>
-            </a:pPr>
+              <a:t>Volume</a:t>
+            </a:r>
+          </a:p>
+          <a:p>
+            <a:pPr eaLnBrk="1" hangingPunct="1"/>
             <a:r>
               <a:rPr lang="en-GB" altLang="en-US" sz="2800" dirty="0" smtClean="0"/>
-              <a:t>Presence of large-scale, complex and rich data – absence of suitable analytical techniques.</a:t>
-            </a:r>
+              <a:t>Variety</a:t>
+            </a:r>
+          </a:p>
+          <a:p>
+            <a:pPr eaLnBrk="1" hangingPunct="1"/>
+            <a:r>
+              <a:rPr lang="en-GB" altLang="en-US" sz="2800" dirty="0" smtClean="0"/>
+              <a:t>Velocity</a:t>
+            </a:r>
+          </a:p>
+          <a:p>
+            <a:pPr marL="0" indent="0" eaLnBrk="1" hangingPunct="1">
+              <a:buNone/>
+            </a:pPr>
+            <a:endParaRPr lang="en-GB" altLang="en-US" sz="2800" dirty="0"/>
+          </a:p>
+          <a:p>
+            <a:pPr marL="0" indent="0" eaLnBrk="1" hangingPunct="1">
+              <a:buNone/>
+            </a:pPr>
+            <a:r>
+              <a:rPr lang="en-GB" altLang="en-US" sz="2800" dirty="0" smtClean="0"/>
+              <a:t>Buzzword and often misunderstood.</a:t>
+            </a:r>
+          </a:p>
+          <a:p>
+            <a:pPr marL="0" indent="0" eaLnBrk="1" hangingPunct="1">
+              <a:buNone/>
+            </a:pPr>
+            <a:endParaRPr lang="en-GB" altLang="en-US" sz="2800" dirty="0" smtClean="0"/>
+          </a:p>
+          <a:p>
+            <a:pPr marL="0" indent="0" eaLnBrk="1" hangingPunct="1">
+              <a:buNone/>
+            </a:pPr>
+            <a:r>
+              <a:rPr lang="en-GB" altLang="en-US" sz="2800" dirty="0" smtClean="0"/>
+              <a:t>Related terms: data science, scientific computing, computational social science.</a:t>
+            </a:r>
+            <a:endParaRPr lang="en-GB" altLang="en-US" sz="2800" dirty="0" smtClean="0"/>
           </a:p>
         </p:txBody>
       </p:sp>
     </p:spTree>
     <p:extLst>
       <p:ext uri="{BB962C8B-B14F-4D97-AF65-F5344CB8AC3E}">
-        <p14:creationId xmlns:p14="http://schemas.microsoft.com/office/powerpoint/2010/main" val="3386936400"/>
+        <p14:creationId xmlns:p14="http://schemas.microsoft.com/office/powerpoint/2010/main" val="924447737"/>
       </p:ext>
     </p:extLst>
   </p:cSld>
@@ -3830,7 +3864,7 @@
             <a:pPr eaLnBrk="1" hangingPunct="1"/>
             <a:r>
               <a:rPr lang="en-GB" altLang="en-US" dirty="0" smtClean="0"/>
-              <a:t>Why Python?</a:t>
+              <a:t>Types of Big Data</a:t>
             </a:r>
             <a:endParaRPr lang="en-GB" altLang="en-US" dirty="0" smtClean="0"/>
           </a:p>
@@ -3851,73 +3885,94 @@
           <a:bodyPr/>
           <a:lstStyle/>
           <a:p>
-            <a:pPr eaLnBrk="1" hangingPunct="1"/>
+            <a:pPr marL="0" indent="0" eaLnBrk="1" hangingPunct="1">
+              <a:buNone/>
+            </a:pPr>
             <a:r>
               <a:rPr lang="en-GB" altLang="en-US" sz="2800" dirty="0" smtClean="0"/>
-              <a:t>General purpose programming language:</a:t>
-            </a:r>
-          </a:p>
-          <a:p>
-            <a:pPr lvl="1" eaLnBrk="1" hangingPunct="1"/>
-            <a:r>
-              <a:rPr lang="en-GB" altLang="en-US" sz="2400" dirty="0" smtClean="0"/>
-              <a:t>Powerful (analytically and computationally)</a:t>
-            </a:r>
-          </a:p>
-          <a:p>
-            <a:pPr lvl="1" eaLnBrk="1" hangingPunct="1"/>
-            <a:r>
-              <a:rPr lang="en-GB" altLang="en-US" sz="2400" dirty="0" smtClean="0"/>
-              <a:t>Readable</a:t>
-            </a:r>
-          </a:p>
-          <a:p>
-            <a:pPr lvl="1" eaLnBrk="1" hangingPunct="1"/>
-            <a:r>
-              <a:rPr lang="en-GB" altLang="en-US" sz="2400" dirty="0" smtClean="0"/>
-              <a:t>Flexible</a:t>
-            </a:r>
-          </a:p>
-          <a:p>
-            <a:pPr lvl="1" eaLnBrk="1" hangingPunct="1"/>
-            <a:r>
-              <a:rPr lang="en-GB" altLang="en-US" sz="2400" dirty="0" smtClean="0"/>
-              <a:t>Intuitive (eventually…)</a:t>
-            </a:r>
-          </a:p>
-          <a:p>
-            <a:pPr lvl="1" eaLnBrk="1" hangingPunct="1"/>
-            <a:r>
-              <a:rPr lang="en-GB" altLang="en-US" sz="2400" dirty="0" smtClean="0"/>
-              <a:t>Open source</a:t>
-            </a:r>
-          </a:p>
-          <a:p>
-            <a:pPr lvl="1" eaLnBrk="1" hangingPunct="1"/>
-            <a:r>
-              <a:rPr lang="en-GB" altLang="en-US" sz="2400" dirty="0" smtClean="0"/>
-              <a:t>Sets you up for further programmatic activities</a:t>
-            </a:r>
-            <a:endParaRPr lang="en-GB" altLang="en-US" sz="2400" dirty="0" smtClean="0"/>
-          </a:p>
-          <a:p>
-            <a:pPr lvl="1" eaLnBrk="1" hangingPunct="1"/>
-            <a:r>
-              <a:rPr lang="en-GB" altLang="en-US" sz="2400" dirty="0" smtClean="0"/>
-              <a:t>Great for data science/big data activities</a:t>
-            </a:r>
-          </a:p>
-          <a:p>
-            <a:pPr lvl="1" eaLnBrk="1" hangingPunct="1"/>
-            <a:r>
-              <a:rPr lang="en-GB" altLang="en-US" sz="2400" dirty="0" smtClean="0"/>
-              <a:t>Expanding ecosystem</a:t>
-            </a:r>
-            <a:endParaRPr lang="en-GB" altLang="en-US" sz="2400" dirty="0" smtClean="0"/>
+              <a:t>Text </a:t>
+            </a:r>
+            <a:r>
+              <a:rPr lang="en-GB" altLang="en-US" sz="2800" dirty="0"/>
+              <a:t>Data (Web)</a:t>
+            </a:r>
+          </a:p>
+          <a:p>
+            <a:pPr marL="0" indent="0" eaLnBrk="1" hangingPunct="1">
+              <a:buNone/>
+            </a:pPr>
+            <a:r>
+              <a:rPr lang="en-GB" altLang="en-US" sz="2800" dirty="0"/>
+              <a:t>Semi-structured Data (XML) </a:t>
+            </a:r>
+          </a:p>
+          <a:p>
+            <a:pPr marL="0" indent="0" eaLnBrk="1" hangingPunct="1">
+              <a:buNone/>
+            </a:pPr>
+            <a:r>
+              <a:rPr lang="en-GB" altLang="en-US" sz="2800" dirty="0"/>
+              <a:t>Graph Data</a:t>
+            </a:r>
+          </a:p>
+          <a:p>
+            <a:pPr marL="0" indent="0" eaLnBrk="1" hangingPunct="1">
+              <a:buNone/>
+            </a:pPr>
+            <a:r>
+              <a:rPr lang="en-GB" altLang="en-US" sz="2800" dirty="0"/>
+              <a:t>Social Network, Semantic Web (RDF), … </a:t>
+            </a:r>
+          </a:p>
+          <a:p>
+            <a:pPr marL="0" indent="0" eaLnBrk="1" hangingPunct="1">
+              <a:buNone/>
+            </a:pPr>
+            <a:r>
+              <a:rPr lang="en-GB" altLang="en-US" sz="2800" dirty="0" smtClean="0"/>
+              <a:t>Streaming </a:t>
+            </a:r>
+            <a:r>
+              <a:rPr lang="en-GB" altLang="en-US" sz="2800" dirty="0"/>
+              <a:t>Data </a:t>
+            </a:r>
+          </a:p>
+          <a:p>
+            <a:pPr marL="0" indent="0" eaLnBrk="1" hangingPunct="1">
+              <a:buNone/>
+            </a:pPr>
+            <a:r>
+              <a:rPr lang="en-GB" altLang="en-US" sz="2800" dirty="0"/>
+              <a:t>Big Public Data (online, weather, finance, </a:t>
+            </a:r>
+            <a:r>
+              <a:rPr lang="en-GB" altLang="en-US" sz="2800" dirty="0" err="1"/>
+              <a:t>etc</a:t>
+            </a:r>
+            <a:r>
+              <a:rPr lang="en-GB" altLang="en-US" sz="2800" dirty="0"/>
+              <a:t>) </a:t>
+            </a:r>
+            <a:endParaRPr lang="en-GB" altLang="en-US" sz="2800" dirty="0" smtClean="0"/>
+          </a:p>
+          <a:p>
+            <a:pPr marL="0" indent="0" eaLnBrk="1" hangingPunct="1">
+              <a:buNone/>
+            </a:pPr>
+            <a:r>
+              <a:rPr lang="en-GB" altLang="en-US" sz="2800" dirty="0" smtClean="0"/>
+              <a:t>Government Data (e.g. HMRC tax returns)</a:t>
+            </a:r>
+            <a:endParaRPr lang="en-GB" altLang="en-US" sz="2800" dirty="0" smtClean="0"/>
           </a:p>
         </p:txBody>
       </p:sp>
     </p:spTree>
+    <p:extLst>
+      <p:ext uri="{BB962C8B-B14F-4D97-AF65-F5344CB8AC3E}">
+        <p14:creationId xmlns:p14="http://schemas.microsoft.com/office/powerpoint/2010/main" val="1766158011"/>
+      </p:ext>
+    </p:extLst>
   </p:cSld>
   <p:clrMapOvr>
     <a:masterClrMapping/>
@@ -3960,9 +4015,8 @@
             <a:pPr eaLnBrk="1" hangingPunct="1"/>
             <a:r>
               <a:rPr lang="en-GB" altLang="en-US" dirty="0" smtClean="0"/>
-              <a:t>Why Not Python?</a:t>
-            </a:r>
-            <a:endParaRPr lang="en-GB" altLang="en-US" dirty="0" smtClean="0"/>
+              <a:t>Why Big Data?</a:t>
+            </a:r>
           </a:p>
         </p:txBody>
       </p:sp>
@@ -3981,47 +4035,40 @@
           <a:bodyPr/>
           <a:lstStyle/>
           <a:p>
-            <a:pPr eaLnBrk="1" hangingPunct="1"/>
+            <a:pPr marL="0" indent="0" eaLnBrk="1" hangingPunct="1">
+              <a:buNone/>
+            </a:pPr>
             <a:r>
               <a:rPr lang="en-GB" altLang="en-US" sz="2800" dirty="0" smtClean="0"/>
-              <a:t>General purpose programming language:</a:t>
-            </a:r>
-          </a:p>
-          <a:p>
-            <a:pPr lvl="1" eaLnBrk="1" hangingPunct="1"/>
-            <a:r>
-              <a:rPr lang="en-GB" altLang="en-US" sz="2400" dirty="0" smtClean="0"/>
-              <a:t>Need to become computer savvy</a:t>
-            </a:r>
-          </a:p>
-          <a:p>
-            <a:pPr lvl="1" eaLnBrk="1" hangingPunct="1"/>
-            <a:r>
-              <a:rPr lang="en-GB" altLang="en-US" sz="2400" dirty="0" smtClean="0"/>
-              <a:t>Not created for statistical analysis</a:t>
-            </a:r>
-          </a:p>
-          <a:p>
-            <a:pPr lvl="1" eaLnBrk="1" hangingPunct="1"/>
-            <a:r>
-              <a:rPr lang="en-GB" altLang="en-US" sz="2400" dirty="0" smtClean="0"/>
-              <a:t>Better packages for data visualisation and exploration</a:t>
-            </a:r>
-          </a:p>
-          <a:p>
-            <a:pPr lvl="1" eaLnBrk="1" hangingPunct="1"/>
-            <a:r>
-              <a:rPr lang="en-GB" altLang="en-US" sz="2400" dirty="0" smtClean="0"/>
-              <a:t>R/Stata/SPSS much more popular in academia and easier to learn (initially at least)</a:t>
-            </a:r>
-            <a:endParaRPr lang="en-GB" altLang="en-US" sz="2400" dirty="0" smtClean="0"/>
+              <a:t>Two general problems/opportunities facing contemporary social scientists:</a:t>
+            </a:r>
+          </a:p>
+          <a:p>
+            <a:pPr marL="514350" indent="-514350" eaLnBrk="1" hangingPunct="1">
+              <a:buFont typeface="+mj-lt"/>
+              <a:buAutoNum type="arabicPeriod"/>
+            </a:pPr>
+            <a:r>
+              <a:rPr lang="en-GB" altLang="en-US" sz="2800" dirty="0" smtClean="0"/>
+              <a:t>Presence of an exact, important research question – absence of suitable data.</a:t>
+            </a:r>
+          </a:p>
+          <a:p>
+            <a:pPr marL="514350" indent="-514350" eaLnBrk="1" hangingPunct="1">
+              <a:buFont typeface="+mj-lt"/>
+              <a:buAutoNum type="arabicPeriod"/>
+            </a:pPr>
+            <a:r>
+              <a:rPr lang="en-GB" altLang="en-US" sz="2800" dirty="0" smtClean="0"/>
+              <a:t>Presence of large-scale, complex and rich data – absence of suitable analytical techniques.</a:t>
+            </a:r>
           </a:p>
         </p:txBody>
       </p:sp>
     </p:spTree>
     <p:extLst>
       <p:ext uri="{BB962C8B-B14F-4D97-AF65-F5344CB8AC3E}">
-        <p14:creationId xmlns:p14="http://schemas.microsoft.com/office/powerpoint/2010/main" val="3021645807"/>
+        <p14:creationId xmlns:p14="http://schemas.microsoft.com/office/powerpoint/2010/main" val="3386936400"/>
       </p:ext>
     </p:extLst>
   </p:cSld>
@@ -4066,9 +4113,8 @@
             <a:pPr eaLnBrk="1" hangingPunct="1"/>
             <a:r>
               <a:rPr lang="en-GB" altLang="en-US" dirty="0" smtClean="0"/>
-              <a:t>Top 5 Topics for Today’s Tasks</a:t>
-            </a:r>
-            <a:endParaRPr lang="en-GB" altLang="en-US" dirty="0" smtClean="0"/>
+              <a:t>Why Python?</a:t>
+            </a:r>
           </a:p>
         </p:txBody>
       </p:sp>
@@ -4087,70 +4133,71 @@
           <a:bodyPr/>
           <a:lstStyle/>
           <a:p>
-            <a:pPr marL="514350" indent="-514350" eaLnBrk="1" hangingPunct="1">
-              <a:buFont typeface="+mj-lt"/>
-              <a:buAutoNum type="arabicPeriod"/>
-            </a:pPr>
+            <a:pPr eaLnBrk="1" hangingPunct="1"/>
             <a:r>
               <a:rPr lang="en-GB" altLang="en-US" sz="2800" dirty="0" smtClean="0"/>
-              <a:t>Data structures/types</a:t>
-            </a:r>
-          </a:p>
-          <a:p>
-            <a:pPr marL="514350" indent="-514350" eaLnBrk="1" hangingPunct="1">
-              <a:buFont typeface="+mj-lt"/>
-              <a:buAutoNum type="arabicPeriod"/>
-            </a:pPr>
-            <a:r>
-              <a:rPr lang="en-GB" altLang="en-US" sz="2800" dirty="0" smtClean="0"/>
-              <a:t>Installing and importing packages</a:t>
-            </a:r>
-          </a:p>
-          <a:p>
-            <a:pPr marL="514350" indent="-514350" eaLnBrk="1" hangingPunct="1">
-              <a:buFont typeface="+mj-lt"/>
-              <a:buAutoNum type="arabicPeriod"/>
-            </a:pPr>
-            <a:r>
-              <a:rPr lang="en-GB" altLang="en-US" sz="2800" dirty="0" smtClean="0"/>
-              <a:t>Reading and writing data</a:t>
-            </a:r>
-          </a:p>
-          <a:p>
-            <a:pPr marL="514350" indent="-514350" eaLnBrk="1" hangingPunct="1">
-              <a:buFont typeface="+mj-lt"/>
-              <a:buAutoNum type="arabicPeriod"/>
-            </a:pPr>
-            <a:r>
-              <a:rPr lang="en-GB" altLang="en-US" sz="2800" dirty="0" smtClean="0"/>
-              <a:t>Loops</a:t>
-            </a:r>
-          </a:p>
-          <a:p>
-            <a:pPr marL="514350" indent="-514350" eaLnBrk="1" hangingPunct="1">
-              <a:buFont typeface="+mj-lt"/>
-              <a:buAutoNum type="arabicPeriod"/>
-            </a:pPr>
-            <a:r>
-              <a:rPr lang="en-GB" altLang="en-US" sz="2800" dirty="0" smtClean="0"/>
-              <a:t>Functions</a:t>
-            </a:r>
-          </a:p>
-          <a:p>
-            <a:pPr marL="514350" indent="-514350" eaLnBrk="1" hangingPunct="1">
-              <a:buFont typeface="+mj-lt"/>
-              <a:buAutoNum type="arabicPeriod"/>
-            </a:pPr>
-            <a:endParaRPr lang="en-GB" altLang="en-US" sz="2800" dirty="0" smtClean="0"/>
+              <a:t>General purpose programming language:</a:t>
+            </a:r>
+          </a:p>
+          <a:p>
+            <a:pPr lvl="1" eaLnBrk="1" hangingPunct="1"/>
+            <a:r>
+              <a:rPr lang="en-GB" altLang="en-US" sz="2400" dirty="0" smtClean="0"/>
+              <a:t>Powerful (analytically and computationally)</a:t>
+            </a:r>
+          </a:p>
+          <a:p>
+            <a:pPr lvl="1" eaLnBrk="1" hangingPunct="1"/>
+            <a:r>
+              <a:rPr lang="en-GB" altLang="en-US" sz="2400" dirty="0" smtClean="0"/>
+              <a:t>Readable</a:t>
+            </a:r>
+          </a:p>
+          <a:p>
+            <a:pPr lvl="1" eaLnBrk="1" hangingPunct="1"/>
+            <a:r>
+              <a:rPr lang="en-GB" altLang="en-US" sz="2400" dirty="0" smtClean="0"/>
+              <a:t>Flexible</a:t>
+            </a:r>
+          </a:p>
+          <a:p>
+            <a:pPr lvl="1" eaLnBrk="1" hangingPunct="1"/>
+            <a:r>
+              <a:rPr lang="en-GB" altLang="en-US" sz="2400" dirty="0" smtClean="0"/>
+              <a:t>Intuitive (eventually…)</a:t>
+            </a:r>
+          </a:p>
+          <a:p>
+            <a:pPr lvl="1" eaLnBrk="1" hangingPunct="1"/>
+            <a:r>
+              <a:rPr lang="en-GB" altLang="en-US" sz="2400" dirty="0" smtClean="0"/>
+              <a:t>Open source</a:t>
+            </a:r>
+          </a:p>
+          <a:p>
+            <a:pPr lvl="1" eaLnBrk="1" hangingPunct="1"/>
+            <a:r>
+              <a:rPr lang="en-GB" altLang="en-US" sz="2400" dirty="0" smtClean="0"/>
+              <a:t>Sets you up for further programmatic activities</a:t>
+            </a:r>
+          </a:p>
+          <a:p>
+            <a:pPr lvl="1" eaLnBrk="1" hangingPunct="1"/>
+            <a:r>
+              <a:rPr lang="en-GB" altLang="en-US" sz="2400" dirty="0" smtClean="0"/>
+              <a:t>Great for data science/big data activities</a:t>
+            </a:r>
+          </a:p>
+          <a:p>
+            <a:pPr lvl="1" eaLnBrk="1" hangingPunct="1"/>
+            <a:r>
+              <a:rPr lang="en-GB" altLang="en-US" sz="2400" dirty="0" smtClean="0"/>
+              <a:t>Expanding ecosystem</a:t>
+            </a:r>
           </a:p>
         </p:txBody>
       </p:sp>
     </p:spTree>
-    <p:extLst>
-      <p:ext uri="{BB962C8B-B14F-4D97-AF65-F5344CB8AC3E}">
-        <p14:creationId xmlns:p14="http://schemas.microsoft.com/office/powerpoint/2010/main" val="1076736599"/>
-      </p:ext>
-    </p:extLst>
   </p:cSld>
   <p:clrMapOvr>
     <a:masterClrMapping/>
@@ -4191,7 +4238,10 @@
           <a:lstStyle/>
           <a:p>
             <a:pPr eaLnBrk="1" hangingPunct="1"/>
-            <a:endParaRPr lang="en-GB" altLang="en-US" dirty="0" smtClean="0"/>
+            <a:r>
+              <a:rPr lang="en-GB" altLang="en-US" dirty="0" smtClean="0"/>
+              <a:t>Why Not Python?</a:t>
+            </a:r>
           </a:p>
         </p:txBody>
       </p:sp>
@@ -4210,18 +4260,38 @@
           <a:bodyPr/>
           <a:lstStyle/>
           <a:p>
-            <a:pPr marL="0" indent="0" algn="ctr" eaLnBrk="1" hangingPunct="1">
-              <a:buNone/>
-            </a:pPr>
-            <a:endParaRPr lang="en-GB" altLang="en-US" sz="5400" dirty="0" smtClean="0"/>
-          </a:p>
-          <a:p>
-            <a:pPr marL="0" indent="0" algn="ctr" eaLnBrk="1" hangingPunct="1">
-              <a:buNone/>
-            </a:pPr>
-            <a:r>
-              <a:rPr lang="en-GB" altLang="en-US" sz="5400" dirty="0" smtClean="0"/>
-              <a:t>Demonstration</a:t>
+            <a:pPr eaLnBrk="1" hangingPunct="1"/>
+            <a:r>
+              <a:rPr lang="en-GB" altLang="en-US" sz="2800" dirty="0" smtClean="0"/>
+              <a:t>General purpose programming language:</a:t>
+            </a:r>
+          </a:p>
+          <a:p>
+            <a:pPr lvl="1" eaLnBrk="1" hangingPunct="1"/>
+            <a:r>
+              <a:rPr lang="en-GB" altLang="en-US" sz="2400" dirty="0" smtClean="0"/>
+              <a:t>Need to become computer savvy</a:t>
+            </a:r>
+          </a:p>
+          <a:p>
+            <a:pPr lvl="1" eaLnBrk="1" hangingPunct="1"/>
+            <a:r>
+              <a:rPr lang="en-GB" altLang="en-US" sz="2400" dirty="0" smtClean="0"/>
+              <a:t>Not created for statistical analysis</a:t>
+            </a:r>
+          </a:p>
+          <a:p>
+            <a:pPr lvl="1" eaLnBrk="1" hangingPunct="1"/>
+            <a:r>
+              <a:rPr lang="en-GB" altLang="en-US" sz="2400" dirty="0" smtClean="0"/>
+              <a:t>Better packages for data visualisation and exploration</a:t>
+            </a:r>
+          </a:p>
+          <a:p>
+            <a:pPr lvl="1" eaLnBrk="1" hangingPunct="1"/>
+            <a:r>
+              <a:rPr lang="en-GB" altLang="en-US" sz="2400" dirty="0" smtClean="0"/>
+              <a:t>R/Stata/SPSS much more popular in academia and easier to learn (initially at least)</a:t>
             </a:r>
           </a:p>
         </p:txBody>
@@ -4229,7 +4299,7 @@
     </p:spTree>
     <p:extLst>
       <p:ext uri="{BB962C8B-B14F-4D97-AF65-F5344CB8AC3E}">
-        <p14:creationId xmlns:p14="http://schemas.microsoft.com/office/powerpoint/2010/main" val="3261368110"/>
+        <p14:creationId xmlns:p14="http://schemas.microsoft.com/office/powerpoint/2010/main" val="3021645807"/>
       </p:ext>
     </p:extLst>
   </p:cSld>
@@ -4274,9 +4344,215 @@
             <a:pPr eaLnBrk="1" hangingPunct="1"/>
             <a:r>
               <a:rPr lang="en-GB" altLang="en-US" dirty="0" smtClean="0"/>
+              <a:t>Top 5 Topics for Today’s Tasks</a:t>
+            </a:r>
+          </a:p>
+        </p:txBody>
+      </p:sp>
+      <p:sp>
+        <p:nvSpPr>
+          <p:cNvPr id="3075" name="Content Placeholder 2"/>
+          <p:cNvSpPr>
+            <a:spLocks noGrp="1"/>
+          </p:cNvSpPr>
+          <p:nvPr>
+            <p:ph idx="1"/>
+          </p:nvPr>
+        </p:nvSpPr>
+        <p:spPr/>
+        <p:txBody>
+          <a:bodyPr/>
+          <a:lstStyle/>
+          <a:p>
+            <a:pPr marL="514350" indent="-514350" eaLnBrk="1" hangingPunct="1">
+              <a:buFont typeface="+mj-lt"/>
+              <a:buAutoNum type="arabicPeriod"/>
+            </a:pPr>
+            <a:r>
+              <a:rPr lang="en-GB" altLang="en-US" sz="2800" dirty="0" smtClean="0"/>
+              <a:t>Data structures/types</a:t>
+            </a:r>
+          </a:p>
+          <a:p>
+            <a:pPr marL="514350" indent="-514350" eaLnBrk="1" hangingPunct="1">
+              <a:buFont typeface="+mj-lt"/>
+              <a:buAutoNum type="arabicPeriod"/>
+            </a:pPr>
+            <a:r>
+              <a:rPr lang="en-GB" altLang="en-US" sz="2800" dirty="0" smtClean="0"/>
+              <a:t>Installing and importing packages</a:t>
+            </a:r>
+          </a:p>
+          <a:p>
+            <a:pPr marL="514350" indent="-514350" eaLnBrk="1" hangingPunct="1">
+              <a:buFont typeface="+mj-lt"/>
+              <a:buAutoNum type="arabicPeriod"/>
+            </a:pPr>
+            <a:r>
+              <a:rPr lang="en-GB" altLang="en-US" sz="2800" dirty="0" smtClean="0"/>
+              <a:t>Reading and writing data</a:t>
+            </a:r>
+          </a:p>
+          <a:p>
+            <a:pPr marL="514350" indent="-514350" eaLnBrk="1" hangingPunct="1">
+              <a:buFont typeface="+mj-lt"/>
+              <a:buAutoNum type="arabicPeriod"/>
+            </a:pPr>
+            <a:r>
+              <a:rPr lang="en-GB" altLang="en-US" sz="2800" dirty="0" smtClean="0"/>
+              <a:t>Loops</a:t>
+            </a:r>
+          </a:p>
+          <a:p>
+            <a:pPr marL="514350" indent="-514350" eaLnBrk="1" hangingPunct="1">
+              <a:buFont typeface="+mj-lt"/>
+              <a:buAutoNum type="arabicPeriod"/>
+            </a:pPr>
+            <a:r>
+              <a:rPr lang="en-GB" altLang="en-US" sz="2800" dirty="0" smtClean="0"/>
+              <a:t>Functions</a:t>
+            </a:r>
+          </a:p>
+          <a:p>
+            <a:pPr marL="514350" indent="-514350" eaLnBrk="1" hangingPunct="1">
+              <a:buFont typeface="+mj-lt"/>
+              <a:buAutoNum type="arabicPeriod"/>
+            </a:pPr>
+            <a:endParaRPr lang="en-GB" altLang="en-US" sz="2800" dirty="0" smtClean="0"/>
+          </a:p>
+        </p:txBody>
+      </p:sp>
+    </p:spTree>
+    <p:extLst>
+      <p:ext uri="{BB962C8B-B14F-4D97-AF65-F5344CB8AC3E}">
+        <p14:creationId xmlns:p14="http://schemas.microsoft.com/office/powerpoint/2010/main" val="1076736599"/>
+      </p:ext>
+    </p:extLst>
+  </p:cSld>
+  <p:clrMapOvr>
+    <a:masterClrMapping/>
+  </p:clrMapOvr>
+</p:sld>
+</file>
+
+<file path=ppt/slides/slide8.xml><?xml version="1.0" encoding="utf-8"?>
+<p:sld xmlns:a="http://schemas.openxmlformats.org/drawingml/2006/main" xmlns:r="http://schemas.openxmlformats.org/officeDocument/2006/relationships" xmlns:p="http://schemas.openxmlformats.org/presentationml/2006/main">
+  <p:cSld>
+    <p:spTree>
+      <p:nvGrpSpPr>
+        <p:cNvPr id="1" name=""/>
+        <p:cNvGrpSpPr/>
+        <p:nvPr/>
+      </p:nvGrpSpPr>
+      <p:grpSpPr>
+        <a:xfrm>
+          <a:off x="0" y="0"/>
+          <a:ext cx="0" cy="0"/>
+          <a:chOff x="0" y="0"/>
+          <a:chExt cx="0" cy="0"/>
+        </a:xfrm>
+      </p:grpSpPr>
+      <p:sp>
+        <p:nvSpPr>
+          <p:cNvPr id="3074" name="Title 1"/>
+          <p:cNvSpPr>
+            <a:spLocks noGrp="1"/>
+          </p:cNvSpPr>
+          <p:nvPr>
+            <p:ph type="title"/>
+          </p:nvPr>
+        </p:nvSpPr>
+        <p:spPr/>
+        <p:txBody>
+          <a:bodyPr/>
+          <a:lstStyle/>
+          <a:p>
+            <a:pPr eaLnBrk="1" hangingPunct="1"/>
+            <a:endParaRPr lang="en-GB" altLang="en-US" dirty="0" smtClean="0"/>
+          </a:p>
+        </p:txBody>
+      </p:sp>
+      <p:sp>
+        <p:nvSpPr>
+          <p:cNvPr id="3075" name="Content Placeholder 2"/>
+          <p:cNvSpPr>
+            <a:spLocks noGrp="1"/>
+          </p:cNvSpPr>
+          <p:nvPr>
+            <p:ph idx="1"/>
+          </p:nvPr>
+        </p:nvSpPr>
+        <p:spPr/>
+        <p:txBody>
+          <a:bodyPr/>
+          <a:lstStyle/>
+          <a:p>
+            <a:pPr marL="0" indent="0" algn="ctr" eaLnBrk="1" hangingPunct="1">
+              <a:buNone/>
+            </a:pPr>
+            <a:endParaRPr lang="en-GB" altLang="en-US" sz="5400" dirty="0" smtClean="0"/>
+          </a:p>
+          <a:p>
+            <a:pPr marL="0" indent="0" algn="ctr" eaLnBrk="1" hangingPunct="1">
+              <a:buNone/>
+            </a:pPr>
+            <a:r>
+              <a:rPr lang="en-GB" altLang="en-US" sz="5400" dirty="0" smtClean="0"/>
+              <a:t>Demonstration</a:t>
+            </a:r>
+          </a:p>
+        </p:txBody>
+      </p:sp>
+    </p:spTree>
+    <p:extLst>
+      <p:ext uri="{BB962C8B-B14F-4D97-AF65-F5344CB8AC3E}">
+        <p14:creationId xmlns:p14="http://schemas.microsoft.com/office/powerpoint/2010/main" val="3261368110"/>
+      </p:ext>
+    </p:extLst>
+  </p:cSld>
+  <p:clrMapOvr>
+    <a:masterClrMapping/>
+  </p:clrMapOvr>
+</p:sld>
+</file>
+
+<file path=ppt/slides/slide9.xml><?xml version="1.0" encoding="utf-8"?>
+<p:sld xmlns:a="http://schemas.openxmlformats.org/drawingml/2006/main" xmlns:r="http://schemas.openxmlformats.org/officeDocument/2006/relationships" xmlns:p="http://schemas.openxmlformats.org/presentationml/2006/main">
+  <p:cSld>
+    <p:spTree>
+      <p:nvGrpSpPr>
+        <p:cNvPr id="1" name=""/>
+        <p:cNvGrpSpPr/>
+        <p:nvPr/>
+      </p:nvGrpSpPr>
+      <p:grpSpPr>
+        <a:xfrm>
+          <a:off x="0" y="0"/>
+          <a:ext cx="0" cy="0"/>
+          <a:chOff x="0" y="0"/>
+          <a:chExt cx="0" cy="0"/>
+        </a:xfrm>
+      </p:grpSpPr>
+      <p:sp>
+        <p:nvSpPr>
+          <p:cNvPr id="3074" name="Title 1"/>
+          <p:cNvSpPr>
+            <a:spLocks noGrp="1"/>
+          </p:cNvSpPr>
+          <p:nvPr>
+            <p:ph type="title"/>
+          </p:nvPr>
+        </p:nvSpPr>
+        <p:spPr/>
+        <p:txBody>
+          <a:bodyPr/>
+          <a:lstStyle/>
+          <a:p>
+            <a:pPr eaLnBrk="1" hangingPunct="1"/>
+            <a:r>
+              <a:rPr lang="en-GB" altLang="en-US" dirty="0" smtClean="0"/>
               <a:t>Hackathon</a:t>
             </a:r>
-            <a:endParaRPr lang="en-GB" altLang="en-US" dirty="0" smtClean="0"/>
           </a:p>
         </p:txBody>
       </p:sp>
@@ -4319,7 +4595,15 @@
             </a:r>
             <a:r>
               <a:rPr lang="en-GB" altLang="en-US" sz="2800" dirty="0"/>
-              <a:t>collects information from </a:t>
+              <a:t>collects </a:t>
+            </a:r>
+            <a:r>
+              <a:rPr lang="en-GB" altLang="en-US" sz="2800" dirty="0" smtClean="0"/>
+              <a:t>university information </a:t>
+            </a:r>
+            <a:r>
+              <a:rPr lang="en-GB" altLang="en-US" sz="2800" dirty="0"/>
+              <a:t>from </a:t>
             </a:r>
             <a:r>
               <a:rPr lang="en-GB" altLang="en-US" sz="2800" dirty="0">
@@ -4345,15 +4629,15 @@
             </a:r>
             <a:r>
               <a:rPr lang="en-GB" altLang="en-US" sz="2800" dirty="0" smtClean="0"/>
-              <a:t>nd exports it to a csv/</a:t>
-            </a:r>
-            <a:r>
-              <a:rPr lang="en-GB" altLang="en-US" sz="2800" dirty="0" err="1" smtClean="0"/>
-              <a:t>json</a:t>
+              <a:t>nd exports it to a </a:t>
             </a:r>
             <a:r>
               <a:rPr lang="en-GB" altLang="en-US" sz="2800" dirty="0" smtClean="0"/>
-              <a:t> file.</a:t>
+              <a:t>csv </a:t>
+            </a:r>
+            <a:r>
+              <a:rPr lang="en-GB" altLang="en-US" sz="2800" dirty="0" smtClean="0"/>
+              <a:t>file.</a:t>
             </a:r>
           </a:p>
         </p:txBody>
